--- a/eece3170/sum16/lectures/eece.3170sum16_lec3_arith.pptx
+++ b/eece3170/sum16/lectures/eece.3170sum16_lec3_arith.pptx
@@ -1280,7 +1280,7 @@
             <a:fld id="{F3403224-3FEA-AF49-99B7-763BE9E1FA7B}" type="datetime1">
               <a:rPr lang="en-US"/>
               <a:pPr/>
-              <a:t>5/18/16</a:t>
+              <a:t>5/19/16</a:t>
             </a:fld>
             <a:endParaRPr lang="en-US"/>
           </a:p>
@@ -1896,7 +1896,7 @@
           <a:p>
             <a:fld id="{A70FFC32-DAC0-2D47-9118-B4CB87F4C37B}" type="datetime1">
               <a:rPr lang="en-US" smtClean="0"/>
-              <a:t>5/18/16</a:t>
+              <a:t>5/19/16</a:t>
             </a:fld>
             <a:endParaRPr lang="en-US"/>
           </a:p>
@@ -2093,7 +2093,7 @@
           <a:p>
             <a:fld id="{0B6B78B1-41A5-674F-A546-96611FB1EA4E}" type="datetime1">
               <a:rPr lang="en-US" smtClean="0"/>
-              <a:t>5/18/16</a:t>
+              <a:t>5/19/16</a:t>
             </a:fld>
             <a:endParaRPr lang="en-US"/>
           </a:p>
@@ -2299,7 +2299,7 @@
           <a:p>
             <a:fld id="{F44AF9C6-95E0-7644-89D0-40F4ECA8922A}" type="datetime1">
               <a:rPr lang="en-US" smtClean="0"/>
-              <a:t>5/18/16</a:t>
+              <a:t>5/19/16</a:t>
             </a:fld>
             <a:endParaRPr lang="en-US"/>
           </a:p>
@@ -2562,7 +2562,7 @@
           <a:p>
             <a:fld id="{380873E1-46AB-A94C-AACB-03EB1D6CC9B4}" type="datetime1">
               <a:rPr lang="en-US" smtClean="0"/>
-              <a:t>5/18/16</a:t>
+              <a:t>5/19/16</a:t>
             </a:fld>
             <a:endParaRPr lang="en-US"/>
           </a:p>
@@ -2825,7 +2825,7 @@
           <a:p>
             <a:fld id="{515E6A59-3AAD-264C-AE9B-C8CDF3BB0328}" type="datetime1">
               <a:rPr lang="en-US" smtClean="0"/>
-              <a:t>5/18/16</a:t>
+              <a:t>5/19/16</a:t>
             </a:fld>
             <a:endParaRPr lang="en-US"/>
           </a:p>
@@ -3021,7 +3021,7 @@
           <a:p>
             <a:fld id="{7E900CEB-5E67-F540-A405-669C7DF64C4F}" type="datetime1">
               <a:rPr lang="en-US" smtClean="0"/>
-              <a:t>5/18/16</a:t>
+              <a:t>5/19/16</a:t>
             </a:fld>
             <a:endParaRPr lang="en-US"/>
           </a:p>
@@ -3239,7 +3239,7 @@
           <a:p>
             <a:fld id="{87B87771-F3F0-8448-93EB-88E408BB834F}" type="datetime1">
               <a:rPr lang="en-US" smtClean="0"/>
-              <a:t>5/18/16</a:t>
+              <a:t>5/19/16</a:t>
             </a:fld>
             <a:endParaRPr lang="en-US"/>
           </a:p>
@@ -3553,7 +3553,7 @@
           <a:p>
             <a:fld id="{1A5D58D3-1490-9842-A709-E0175F30903D}" type="datetime1">
               <a:rPr lang="en-US" smtClean="0"/>
-              <a:t>5/18/16</a:t>
+              <a:t>5/19/16</a:t>
             </a:fld>
             <a:endParaRPr lang="en-US"/>
           </a:p>
@@ -4006,7 +4006,7 @@
           <a:p>
             <a:fld id="{2808DDCD-C2C7-294D-8074-CA9E987DE41B}" type="datetime1">
               <a:rPr lang="en-US" smtClean="0"/>
-              <a:t>5/18/16</a:t>
+              <a:t>5/19/16</a:t>
             </a:fld>
             <a:endParaRPr lang="en-US"/>
           </a:p>
@@ -4150,7 +4150,7 @@
           <a:p>
             <a:fld id="{20C4E989-3B6C-3947-8A48-DCE093B7B649}" type="datetime1">
               <a:rPr lang="en-US" smtClean="0"/>
-              <a:t>5/18/16</a:t>
+              <a:t>5/19/16</a:t>
             </a:fld>
             <a:endParaRPr lang="en-US"/>
           </a:p>
@@ -4271,7 +4271,7 @@
           <a:p>
             <a:fld id="{571E6A82-79D8-A04F-9DE8-10061899EE7E}" type="datetime1">
               <a:rPr lang="en-US" smtClean="0"/>
-              <a:t>5/18/16</a:t>
+              <a:t>5/19/16</a:t>
             </a:fld>
             <a:endParaRPr lang="en-US"/>
           </a:p>
@@ -4574,7 +4574,7 @@
           <a:p>
             <a:fld id="{0AC6B5BF-836E-1F42-A60C-9FF595C97E94}" type="datetime1">
               <a:rPr lang="en-US" smtClean="0"/>
-              <a:t>5/18/16</a:t>
+              <a:t>5/19/16</a:t>
             </a:fld>
             <a:endParaRPr lang="en-US"/>
           </a:p>
@@ -4854,7 +4854,7 @@
           <a:p>
             <a:fld id="{4A07C480-1221-3348-B887-8B1B93EA50D7}" type="datetime1">
               <a:rPr lang="en-US" smtClean="0"/>
-              <a:t>5/18/16</a:t>
+              <a:t>5/19/16</a:t>
             </a:fld>
             <a:endParaRPr lang="en-US"/>
           </a:p>
@@ -5153,7 +5153,7 @@
           <a:p>
             <a:fld id="{E018290F-4412-5142-BFF7-28AE56C9CD54}" type="datetime1">
               <a:rPr lang="en-US" smtClean="0"/>
-              <a:t>5/18/16</a:t>
+              <a:t>5/19/16</a:t>
             </a:fld>
             <a:endParaRPr lang="en-US"/>
           </a:p>
@@ -6496,7 +6496,7 @@
               <a:rPr lang="en-US" smtClean="0">
                 <a:latin typeface="Garamond" charset="0"/>
               </a:rPr>
-              <a:t>5/18/16</a:t>
+              <a:t>5/19/16</a:t>
             </a:fld>
             <a:endParaRPr lang="en-US">
               <a:latin typeface="Garamond" charset="0"/>
@@ -7172,7 +7172,7 @@
               <a:rPr lang="en-US" smtClean="0">
                 <a:latin typeface="Garamond" charset="0"/>
               </a:rPr>
-              <a:t>5/18/16</a:t>
+              <a:t>5/19/16</a:t>
             </a:fld>
             <a:endParaRPr lang="en-US">
               <a:latin typeface="Garamond" charset="0"/>
@@ -7648,7 +7648,7 @@
               <a:rPr lang="en-US" smtClean="0">
                 <a:latin typeface="Garamond" charset="0"/>
               </a:rPr>
-              <a:t>5/18/16</a:t>
+              <a:t>5/19/16</a:t>
             </a:fld>
             <a:endParaRPr lang="en-US">
               <a:latin typeface="Garamond" charset="0"/>
@@ -8318,7 +8318,7 @@
               <a:rPr lang="en-US" smtClean="0">
                 <a:latin typeface="Garamond" charset="0"/>
               </a:rPr>
-              <a:t>5/18/16</a:t>
+              <a:t>5/19/16</a:t>
             </a:fld>
             <a:endParaRPr lang="en-US">
               <a:latin typeface="Garamond" charset="0"/>
@@ -8830,7 +8830,7 @@
               <a:rPr lang="en-US" smtClean="0">
                 <a:latin typeface="Garamond" charset="0"/>
               </a:rPr>
-              <a:t>5/18/16</a:t>
+              <a:t>5/19/16</a:t>
             </a:fld>
             <a:endParaRPr lang="en-US">
               <a:latin typeface="Garamond" charset="0"/>
@@ -9627,7 +9627,7 @@
               <a:rPr lang="en-US" smtClean="0">
                 <a:latin typeface="Garamond" charset="0"/>
               </a:rPr>
-              <a:t>5/18/16</a:t>
+              <a:t>5/19/16</a:t>
             </a:fld>
             <a:endParaRPr lang="en-US">
               <a:latin typeface="Garamond" charset="0"/>
@@ -10477,7 +10477,7 @@
               <a:rPr lang="en-US" smtClean="0">
                 <a:latin typeface="Garamond" charset="0"/>
               </a:rPr>
-              <a:t>5/18/16</a:t>
+              <a:t>5/19/16</a:t>
             </a:fld>
             <a:endParaRPr lang="en-US">
               <a:latin typeface="Garamond" charset="0"/>
@@ -10919,7 +10919,7 @@
               <a:rPr lang="en-US" smtClean="0">
                 <a:latin typeface="Garamond" charset="0"/>
               </a:rPr>
-              <a:t>5/18/16</a:t>
+              <a:t>5/19/16</a:t>
             </a:fld>
             <a:endParaRPr lang="en-US">
               <a:latin typeface="Garamond" charset="0"/>
@@ -11448,7 +11448,7 @@
               <a:rPr lang="en-US" smtClean="0">
                 <a:latin typeface="Garamond" charset="0"/>
               </a:rPr>
-              <a:t>5/18/16</a:t>
+              <a:t>5/19/16</a:t>
             </a:fld>
             <a:endParaRPr lang="en-US">
               <a:latin typeface="Garamond" charset="0"/>
@@ -11878,7 +11878,7 @@
                 <a:latin typeface="Garamond"/>
                 <a:cs typeface="Garamond"/>
               </a:rPr>
-              <a:t>5/18/16</a:t>
+              <a:t>5/19/16</a:t>
             </a:fld>
             <a:endParaRPr lang="en-US" sz="1200" dirty="0">
               <a:latin typeface="Garamond"/>
@@ -12206,7 +12206,7 @@
           <a:p>
             <a:fld id="{68B77219-A225-C849-B0C3-E2EC6892F73C}" type="datetime1">
               <a:rPr lang="en-US" smtClean="0"/>
-              <a:t>5/18/16</a:t>
+              <a:t>5/19/16</a:t>
             </a:fld>
             <a:endParaRPr lang="en-US"/>
           </a:p>
@@ -12548,7 +12548,7 @@
               <a:rPr lang="en-US" smtClean="0">
                 <a:latin typeface="Garamond" charset="0"/>
               </a:rPr>
-              <a:t>5/18/16</a:t>
+              <a:t>5/19/16</a:t>
             </a:fld>
             <a:endParaRPr lang="en-US">
               <a:latin typeface="Garamond" charset="0"/>
@@ -12989,7 +12989,7 @@
               <a:rPr lang="en-US" smtClean="0">
                 <a:latin typeface="Garamond" charset="0"/>
               </a:rPr>
-              <a:t>5/18/16</a:t>
+              <a:t>5/19/16</a:t>
             </a:fld>
             <a:endParaRPr lang="en-US">
               <a:latin typeface="Garamond" charset="0"/>
@@ -13456,7 +13456,7 @@
               <a:rPr lang="en-US" smtClean="0">
                 <a:latin typeface="Garamond" charset="0"/>
               </a:rPr>
-              <a:t>5/18/16</a:t>
+              <a:t>5/19/16</a:t>
             </a:fld>
             <a:endParaRPr lang="en-US">
               <a:latin typeface="Garamond" charset="0"/>
@@ -14027,7 +14027,7 @@
               <a:rPr lang="en-US" smtClean="0">
                 <a:latin typeface="Garamond" charset="0"/>
               </a:rPr>
-              <a:t>5/18/16</a:t>
+              <a:t>5/19/16</a:t>
             </a:fld>
             <a:endParaRPr lang="en-US">
               <a:latin typeface="Garamond" charset="0"/>
@@ -14914,7 +14914,7 @@
               <a:rPr lang="en-US" smtClean="0">
                 <a:latin typeface="Garamond" charset="0"/>
               </a:rPr>
-              <a:t>5/18/16</a:t>
+              <a:t>5/19/16</a:t>
             </a:fld>
             <a:endParaRPr lang="en-US">
               <a:latin typeface="Garamond" charset="0"/>
